--- a/4 - Midterm/Midterm.pptx
+++ b/4 - Midterm/Midterm.pptx
@@ -5,29 +5,33 @@
     <p:sldMasterId id="2147483659" r:id="rId1"/>
   </p:sldMasterIdLst>
   <p:notesMasterIdLst>
-    <p:notesMasterId r:id="rId5"/>
+    <p:notesMasterId r:id="rId9"/>
   </p:notesMasterIdLst>
   <p:sldIdLst>
-    <p:sldId id="277" r:id="rId2"/>
-    <p:sldId id="279" r:id="rId3"/>
-    <p:sldId id="278" r:id="rId4"/>
+    <p:sldId id="280" r:id="rId2"/>
+    <p:sldId id="283" r:id="rId3"/>
+    <p:sldId id="281" r:id="rId4"/>
+    <p:sldId id="282" r:id="rId5"/>
+    <p:sldId id="277" r:id="rId6"/>
+    <p:sldId id="279" r:id="rId7"/>
+    <p:sldId id="278" r:id="rId8"/>
   </p:sldIdLst>
   <p:sldSz cx="9144000" cy="5143500" type="screen16x9"/>
   <p:notesSz cx="6858000" cy="9144000"/>
   <p:embeddedFontLst>
     <p:embeddedFont>
       <p:font typeface="Lato" panose="020F0502020204030203" pitchFamily="34" charset="0"/>
-      <p:regular r:id="rId6"/>
-      <p:bold r:id="rId7"/>
-      <p:italic r:id="rId8"/>
-      <p:boldItalic r:id="rId9"/>
-    </p:embeddedFont>
-    <p:embeddedFont>
-      <p:font typeface="Raleway" pitchFamily="2" charset="0"/>
       <p:regular r:id="rId10"/>
       <p:bold r:id="rId11"/>
       <p:italic r:id="rId12"/>
       <p:boldItalic r:id="rId13"/>
+    </p:embeddedFont>
+    <p:embeddedFont>
+      <p:font typeface="Raleway" pitchFamily="2" charset="0"/>
+      <p:regular r:id="rId14"/>
+      <p:bold r:id="rId15"/>
+      <p:italic r:id="rId16"/>
+      <p:boldItalic r:id="rId17"/>
     </p:embeddedFont>
   </p:embeddedFontLst>
   <p:defaultTextStyle>
@@ -3073,6 +3077,1625 @@
   <p:cSld>
     <p:spTree>
       <p:nvGrpSpPr>
+        <p:cNvPr id="1" name="">
+          <a:extLst>
+            <a:ext uri="{FF2B5EF4-FFF2-40B4-BE49-F238E27FC236}">
+              <a16:creationId xmlns:a16="http://schemas.microsoft.com/office/drawing/2014/main" id="{7F64C01E-6065-C69C-9D44-086BC144CFEF}"/>
+            </a:ext>
+          </a:extLst>
+        </p:cNvPr>
+        <p:cNvGrpSpPr/>
+        <p:nvPr/>
+      </p:nvGrpSpPr>
+      <p:grpSpPr>
+        <a:xfrm>
+          <a:off x="0" y="0"/>
+          <a:ext cx="0" cy="0"/>
+          <a:chOff x="0" y="0"/>
+          <a:chExt cx="0" cy="0"/>
+        </a:xfrm>
+      </p:grpSpPr>
+      <p:sp>
+        <p:nvSpPr>
+          <p:cNvPr id="2" name="Title 1">
+            <a:extLst>
+              <a:ext uri="{FF2B5EF4-FFF2-40B4-BE49-F238E27FC236}">
+                <a16:creationId xmlns:a16="http://schemas.microsoft.com/office/drawing/2014/main" id="{FFB038CE-D6E2-3947-613A-12EBA20D976E}"/>
+              </a:ext>
+            </a:extLst>
+          </p:cNvPr>
+          <p:cNvSpPr>
+            <a:spLocks noGrp="1"/>
+          </p:cNvSpPr>
+          <p:nvPr>
+            <p:ph type="title"/>
+          </p:nvPr>
+        </p:nvSpPr>
+        <p:spPr>
+          <a:xfrm>
+            <a:off x="401909" y="346201"/>
+            <a:ext cx="8316258" cy="635400"/>
+          </a:xfrm>
+        </p:spPr>
+        <p:txBody>
+          <a:bodyPr/>
+          <a:lstStyle/>
+          <a:p>
+            <a:pPr algn="ctr"/>
+            <a:r>
+              <a:rPr lang="en-US" dirty="0"/>
+              <a:t>2025 Nobel Prizes!</a:t>
+            </a:r>
+          </a:p>
+        </p:txBody>
+      </p:sp>
+      <p:sp>
+        <p:nvSpPr>
+          <p:cNvPr id="3" name="Text Placeholder 2">
+            <a:extLst>
+              <a:ext uri="{FF2B5EF4-FFF2-40B4-BE49-F238E27FC236}">
+                <a16:creationId xmlns:a16="http://schemas.microsoft.com/office/drawing/2014/main" id="{8E8E830F-A979-C7EA-63CD-B0A0F7A21B3A}"/>
+              </a:ext>
+            </a:extLst>
+          </p:cNvPr>
+          <p:cNvSpPr>
+            <a:spLocks noGrp="1"/>
+          </p:cNvSpPr>
+          <p:nvPr>
+            <p:ph type="body" idx="1"/>
+          </p:nvPr>
+        </p:nvSpPr>
+        <p:spPr>
+          <a:xfrm>
+            <a:off x="401909" y="1065788"/>
+            <a:ext cx="2631195" cy="2088535"/>
+          </a:xfrm>
+        </p:spPr>
+        <p:txBody>
+          <a:bodyPr/>
+          <a:lstStyle/>
+          <a:p>
+            <a:pPr marL="139700" indent="0" algn="ctr">
+              <a:buNone/>
+            </a:pPr>
+            <a:r>
+              <a:rPr lang="en-US" b="1" dirty="0"/>
+              <a:t>Chemistry</a:t>
+            </a:r>
+            <a:endParaRPr lang="en-US" dirty="0"/>
+          </a:p>
+          <a:p>
+            <a:pPr marL="139700" indent="0">
+              <a:buNone/>
+            </a:pPr>
+            <a:r>
+              <a:rPr lang="en-US" dirty="0"/>
+              <a:t>TBD</a:t>
+            </a:r>
+          </a:p>
+        </p:txBody>
+      </p:sp>
+      <p:pic>
+        <p:nvPicPr>
+          <p:cNvPr id="1026" name="Picture 2">
+            <a:extLst>
+              <a:ext uri="{FF2B5EF4-FFF2-40B4-BE49-F238E27FC236}">
+                <a16:creationId xmlns:a16="http://schemas.microsoft.com/office/drawing/2014/main" id="{BE3A8365-0A06-0491-DCC7-45F2172CB47D}"/>
+              </a:ext>
+            </a:extLst>
+          </p:cNvPr>
+          <p:cNvPicPr>
+            <a:picLocks noChangeAspect="1" noChangeArrowheads="1"/>
+          </p:cNvPicPr>
+          <p:nvPr/>
+        </p:nvPicPr>
+        <p:blipFill>
+          <a:blip r:embed="rId2">
+            <a:extLst>
+              <a:ext uri="{28A0092B-C50C-407E-A947-70E740481C1C}">
+                <a14:useLocalDpi xmlns:a14="http://schemas.microsoft.com/office/drawing/2010/main" val="0"/>
+              </a:ext>
+            </a:extLst>
+          </a:blip>
+          <a:srcRect/>
+          <a:stretch>
+            <a:fillRect/>
+          </a:stretch>
+        </p:blipFill>
+        <p:spPr bwMode="auto">
+          <a:xfrm>
+            <a:off x="4567238" y="2566988"/>
+            <a:ext cx="9525" cy="9525"/>
+          </a:xfrm>
+          <a:prstGeom prst="rect">
+            <a:avLst/>
+          </a:prstGeom>
+          <a:noFill/>
+          <a:extLst>
+            <a:ext uri="{909E8E84-426E-40DD-AFC4-6F175D3DCCD1}">
+              <a14:hiddenFill xmlns:a14="http://schemas.microsoft.com/office/drawing/2010/main">
+                <a:solidFill>
+                  <a:srgbClr val="FFFFFF"/>
+                </a:solidFill>
+              </a14:hiddenFill>
+            </a:ext>
+          </a:extLst>
+        </p:spPr>
+      </p:pic>
+      <p:sp>
+        <p:nvSpPr>
+          <p:cNvPr id="5" name="Text Placeholder 2">
+            <a:extLst>
+              <a:ext uri="{FF2B5EF4-FFF2-40B4-BE49-F238E27FC236}">
+                <a16:creationId xmlns:a16="http://schemas.microsoft.com/office/drawing/2014/main" id="{FF58C20F-C579-4ACA-A086-56BC8828FAFF}"/>
+              </a:ext>
+            </a:extLst>
+          </p:cNvPr>
+          <p:cNvSpPr txBox="1">
+            <a:spLocks/>
+          </p:cNvSpPr>
+          <p:nvPr/>
+        </p:nvSpPr>
+        <p:spPr>
+          <a:xfrm>
+            <a:off x="3188438" y="1065542"/>
+            <a:ext cx="2743200" cy="2085092"/>
+          </a:xfrm>
+          <a:prstGeom prst="rect">
+            <a:avLst/>
+          </a:prstGeom>
+          <a:noFill/>
+          <a:ln>
+            <a:noFill/>
+          </a:ln>
+        </p:spPr>
+        <p:txBody>
+          <a:bodyPr spcFirstLastPara="1" wrap="square" lIns="91425" tIns="91425" rIns="91425" bIns="91425" anchor="t" anchorCtr="0"/>
+          <a:lstStyle>
+            <a:defPPr marR="0" lvl="0" algn="l" rtl="0">
+              <a:lnSpc>
+                <a:spcPct val="100000"/>
+              </a:lnSpc>
+              <a:spcBef>
+                <a:spcPts val="0"/>
+              </a:spcBef>
+              <a:spcAft>
+                <a:spcPts val="0"/>
+              </a:spcAft>
+            </a:defPPr>
+            <a:lvl1pPr marL="457200" marR="0" lvl="0" indent="-317500" algn="l" rtl="0" eaLnBrk="1" hangingPunct="1">
+              <a:lnSpc>
+                <a:spcPct val="115000"/>
+              </a:lnSpc>
+              <a:spcBef>
+                <a:spcPts val="0"/>
+              </a:spcBef>
+              <a:spcAft>
+                <a:spcPts val="0"/>
+              </a:spcAft>
+              <a:buClr>
+                <a:schemeClr val="dk2"/>
+              </a:buClr>
+              <a:buSzPts val="1400"/>
+              <a:buFont typeface="Lato"/>
+              <a:buChar char="●"/>
+              <a:defRPr sz="1400" b="0" i="0" u="none" strike="noStrike" cap="none">
+                <a:solidFill>
+                  <a:schemeClr val="dk2"/>
+                </a:solidFill>
+                <a:latin typeface="Lato"/>
+                <a:ea typeface="Lato"/>
+                <a:cs typeface="Lato"/>
+                <a:sym typeface="Lato"/>
+              </a:defRPr>
+            </a:lvl1pPr>
+            <a:lvl2pPr marL="914400" marR="0" lvl="1" indent="-304800" algn="l" rtl="0" eaLnBrk="1" hangingPunct="1">
+              <a:lnSpc>
+                <a:spcPct val="115000"/>
+              </a:lnSpc>
+              <a:spcBef>
+                <a:spcPts val="1600"/>
+              </a:spcBef>
+              <a:spcAft>
+                <a:spcPts val="0"/>
+              </a:spcAft>
+              <a:buClr>
+                <a:schemeClr val="dk2"/>
+              </a:buClr>
+              <a:buSzPts val="1200"/>
+              <a:buFont typeface="Lato"/>
+              <a:buChar char="○"/>
+              <a:defRPr sz="1200" b="0" i="0" u="none" strike="noStrike" cap="none">
+                <a:solidFill>
+                  <a:schemeClr val="dk2"/>
+                </a:solidFill>
+                <a:latin typeface="Lato"/>
+                <a:ea typeface="Lato"/>
+                <a:cs typeface="Lato"/>
+                <a:sym typeface="Lato"/>
+              </a:defRPr>
+            </a:lvl2pPr>
+            <a:lvl3pPr marL="1371600" marR="0" lvl="2" indent="-304800" algn="l" rtl="0" eaLnBrk="1" hangingPunct="1">
+              <a:lnSpc>
+                <a:spcPct val="115000"/>
+              </a:lnSpc>
+              <a:spcBef>
+                <a:spcPts val="1600"/>
+              </a:spcBef>
+              <a:spcAft>
+                <a:spcPts val="0"/>
+              </a:spcAft>
+              <a:buClr>
+                <a:schemeClr val="dk2"/>
+              </a:buClr>
+              <a:buSzPts val="1200"/>
+              <a:buFont typeface="Lato"/>
+              <a:buChar char="■"/>
+              <a:defRPr sz="1200" b="0" i="0" u="none" strike="noStrike" cap="none">
+                <a:solidFill>
+                  <a:schemeClr val="dk2"/>
+                </a:solidFill>
+                <a:latin typeface="Lato"/>
+                <a:ea typeface="Lato"/>
+                <a:cs typeface="Lato"/>
+                <a:sym typeface="Lato"/>
+              </a:defRPr>
+            </a:lvl3pPr>
+            <a:lvl4pPr marL="1828800" marR="0" lvl="3" indent="-304800" algn="l" rtl="0" eaLnBrk="1" hangingPunct="1">
+              <a:lnSpc>
+                <a:spcPct val="115000"/>
+              </a:lnSpc>
+              <a:spcBef>
+                <a:spcPts val="1600"/>
+              </a:spcBef>
+              <a:spcAft>
+                <a:spcPts val="0"/>
+              </a:spcAft>
+              <a:buClr>
+                <a:schemeClr val="dk2"/>
+              </a:buClr>
+              <a:buSzPts val="1200"/>
+              <a:buFont typeface="Lato"/>
+              <a:buChar char="●"/>
+              <a:defRPr sz="1200" b="0" i="0" u="none" strike="noStrike" cap="none">
+                <a:solidFill>
+                  <a:schemeClr val="dk2"/>
+                </a:solidFill>
+                <a:latin typeface="Lato"/>
+                <a:ea typeface="Lato"/>
+                <a:cs typeface="Lato"/>
+                <a:sym typeface="Lato"/>
+              </a:defRPr>
+            </a:lvl4pPr>
+            <a:lvl5pPr marL="2286000" marR="0" lvl="4" indent="-304800" algn="l" rtl="0" eaLnBrk="1" hangingPunct="1">
+              <a:lnSpc>
+                <a:spcPct val="115000"/>
+              </a:lnSpc>
+              <a:spcBef>
+                <a:spcPts val="1600"/>
+              </a:spcBef>
+              <a:spcAft>
+                <a:spcPts val="0"/>
+              </a:spcAft>
+              <a:buClr>
+                <a:schemeClr val="dk2"/>
+              </a:buClr>
+              <a:buSzPts val="1200"/>
+              <a:buFont typeface="Lato"/>
+              <a:buChar char="○"/>
+              <a:defRPr sz="1200" b="0" i="0" u="none" strike="noStrike" cap="none">
+                <a:solidFill>
+                  <a:schemeClr val="dk2"/>
+                </a:solidFill>
+                <a:latin typeface="Lato"/>
+                <a:ea typeface="Lato"/>
+                <a:cs typeface="Lato"/>
+                <a:sym typeface="Lato"/>
+              </a:defRPr>
+            </a:lvl5pPr>
+            <a:lvl6pPr marL="2743200" marR="0" lvl="5" indent="-304800" algn="l" rtl="0" eaLnBrk="1" hangingPunct="1">
+              <a:lnSpc>
+                <a:spcPct val="115000"/>
+              </a:lnSpc>
+              <a:spcBef>
+                <a:spcPts val="1600"/>
+              </a:spcBef>
+              <a:spcAft>
+                <a:spcPts val="0"/>
+              </a:spcAft>
+              <a:buClr>
+                <a:schemeClr val="dk2"/>
+              </a:buClr>
+              <a:buSzPts val="1200"/>
+              <a:buFont typeface="Lato"/>
+              <a:buChar char="■"/>
+              <a:defRPr sz="1200" b="0" i="0" u="none" strike="noStrike" cap="none">
+                <a:solidFill>
+                  <a:schemeClr val="dk2"/>
+                </a:solidFill>
+                <a:latin typeface="Lato"/>
+                <a:ea typeface="Lato"/>
+                <a:cs typeface="Lato"/>
+                <a:sym typeface="Lato"/>
+              </a:defRPr>
+            </a:lvl6pPr>
+            <a:lvl7pPr marL="3200400" marR="0" lvl="6" indent="-304800" algn="l" rtl="0" eaLnBrk="1" hangingPunct="1">
+              <a:lnSpc>
+                <a:spcPct val="115000"/>
+              </a:lnSpc>
+              <a:spcBef>
+                <a:spcPts val="1600"/>
+              </a:spcBef>
+              <a:spcAft>
+                <a:spcPts val="0"/>
+              </a:spcAft>
+              <a:buClr>
+                <a:schemeClr val="dk2"/>
+              </a:buClr>
+              <a:buSzPts val="1200"/>
+              <a:buFont typeface="Lato"/>
+              <a:buChar char="●"/>
+              <a:defRPr sz="1200" b="0" i="0" u="none" strike="noStrike" cap="none">
+                <a:solidFill>
+                  <a:schemeClr val="dk2"/>
+                </a:solidFill>
+                <a:latin typeface="Lato"/>
+                <a:ea typeface="Lato"/>
+                <a:cs typeface="Lato"/>
+                <a:sym typeface="Lato"/>
+              </a:defRPr>
+            </a:lvl7pPr>
+            <a:lvl8pPr marL="3657600" marR="0" lvl="7" indent="-304800" algn="l" rtl="0" eaLnBrk="1" hangingPunct="1">
+              <a:lnSpc>
+                <a:spcPct val="115000"/>
+              </a:lnSpc>
+              <a:spcBef>
+                <a:spcPts val="1600"/>
+              </a:spcBef>
+              <a:spcAft>
+                <a:spcPts val="0"/>
+              </a:spcAft>
+              <a:buClr>
+                <a:schemeClr val="dk2"/>
+              </a:buClr>
+              <a:buSzPts val="1200"/>
+              <a:buFont typeface="Lato"/>
+              <a:buChar char="○"/>
+              <a:defRPr sz="1200" b="0" i="0" u="none" strike="noStrike" cap="none">
+                <a:solidFill>
+                  <a:schemeClr val="dk2"/>
+                </a:solidFill>
+                <a:latin typeface="Lato"/>
+                <a:ea typeface="Lato"/>
+                <a:cs typeface="Lato"/>
+                <a:sym typeface="Lato"/>
+              </a:defRPr>
+            </a:lvl8pPr>
+            <a:lvl9pPr marL="4114800" marR="0" lvl="8" indent="-304800" algn="l" rtl="0" eaLnBrk="1" hangingPunct="1">
+              <a:lnSpc>
+                <a:spcPct val="115000"/>
+              </a:lnSpc>
+              <a:spcBef>
+                <a:spcPts val="1600"/>
+              </a:spcBef>
+              <a:spcAft>
+                <a:spcPts val="1600"/>
+              </a:spcAft>
+              <a:buClr>
+                <a:schemeClr val="dk2"/>
+              </a:buClr>
+              <a:buSzPts val="1200"/>
+              <a:buFont typeface="Lato"/>
+              <a:buChar char="■"/>
+              <a:defRPr sz="1200" b="0" i="0" u="none" strike="noStrike" cap="none">
+                <a:solidFill>
+                  <a:schemeClr val="dk2"/>
+                </a:solidFill>
+                <a:latin typeface="Lato"/>
+                <a:ea typeface="Lato"/>
+                <a:cs typeface="Lato"/>
+                <a:sym typeface="Lato"/>
+              </a:defRPr>
+            </a:lvl9pPr>
+          </a:lstStyle>
+          <a:p>
+            <a:pPr marL="139700" indent="0" algn="ctr">
+              <a:buFont typeface="Lato"/>
+              <a:buNone/>
+            </a:pPr>
+            <a:r>
+              <a:rPr lang="en-US" b="1" dirty="0"/>
+              <a:t>Physiology or Medicine</a:t>
+            </a:r>
+            <a:endParaRPr lang="en-US" dirty="0"/>
+          </a:p>
+          <a:p>
+            <a:pPr marL="139700" indent="0">
+              <a:buNone/>
+            </a:pPr>
+            <a:r>
+              <a:rPr lang="en-US" dirty="0"/>
+              <a:t>Mary E. Brunkow, Fred Ramsdell and Shimon Sakaguchi - “for their discoveries concerning peripheral immune tolerance.”</a:t>
+            </a:r>
+          </a:p>
+        </p:txBody>
+      </p:sp>
+      <p:sp>
+        <p:nvSpPr>
+          <p:cNvPr id="6" name="Text Placeholder 2">
+            <a:extLst>
+              <a:ext uri="{FF2B5EF4-FFF2-40B4-BE49-F238E27FC236}">
+                <a16:creationId xmlns:a16="http://schemas.microsoft.com/office/drawing/2014/main" id="{B335EDC6-7353-F9E4-4FB6-FBD5D7E1FAE0}"/>
+              </a:ext>
+            </a:extLst>
+          </p:cNvPr>
+          <p:cNvSpPr txBox="1">
+            <a:spLocks/>
+          </p:cNvSpPr>
+          <p:nvPr/>
+        </p:nvSpPr>
+        <p:spPr>
+          <a:xfrm>
+            <a:off x="6086972" y="1066511"/>
+            <a:ext cx="2743198" cy="2087812"/>
+          </a:xfrm>
+          <a:prstGeom prst="rect">
+            <a:avLst/>
+          </a:prstGeom>
+          <a:noFill/>
+          <a:ln>
+            <a:noFill/>
+          </a:ln>
+        </p:spPr>
+        <p:txBody>
+          <a:bodyPr spcFirstLastPara="1" wrap="square" lIns="91425" tIns="91425" rIns="91425" bIns="91425" anchor="t" anchorCtr="0"/>
+          <a:lstStyle>
+            <a:defPPr marR="0" lvl="0" algn="l" rtl="0">
+              <a:lnSpc>
+                <a:spcPct val="100000"/>
+              </a:lnSpc>
+              <a:spcBef>
+                <a:spcPts val="0"/>
+              </a:spcBef>
+              <a:spcAft>
+                <a:spcPts val="0"/>
+              </a:spcAft>
+            </a:defPPr>
+            <a:lvl1pPr marL="457200" marR="0" lvl="0" indent="-317500" algn="l" rtl="0" eaLnBrk="1" hangingPunct="1">
+              <a:lnSpc>
+                <a:spcPct val="115000"/>
+              </a:lnSpc>
+              <a:spcBef>
+                <a:spcPts val="0"/>
+              </a:spcBef>
+              <a:spcAft>
+                <a:spcPts val="0"/>
+              </a:spcAft>
+              <a:buClr>
+                <a:schemeClr val="dk2"/>
+              </a:buClr>
+              <a:buSzPts val="1400"/>
+              <a:buFont typeface="Lato"/>
+              <a:buChar char="●"/>
+              <a:defRPr sz="1400" b="0" i="0" u="none" strike="noStrike" cap="none">
+                <a:solidFill>
+                  <a:schemeClr val="dk2"/>
+                </a:solidFill>
+                <a:latin typeface="Lato"/>
+                <a:ea typeface="Lato"/>
+                <a:cs typeface="Lato"/>
+                <a:sym typeface="Lato"/>
+              </a:defRPr>
+            </a:lvl1pPr>
+            <a:lvl2pPr marL="914400" marR="0" lvl="1" indent="-304800" algn="l" rtl="0" eaLnBrk="1" hangingPunct="1">
+              <a:lnSpc>
+                <a:spcPct val="115000"/>
+              </a:lnSpc>
+              <a:spcBef>
+                <a:spcPts val="1600"/>
+              </a:spcBef>
+              <a:spcAft>
+                <a:spcPts val="0"/>
+              </a:spcAft>
+              <a:buClr>
+                <a:schemeClr val="dk2"/>
+              </a:buClr>
+              <a:buSzPts val="1200"/>
+              <a:buFont typeface="Lato"/>
+              <a:buChar char="○"/>
+              <a:defRPr sz="1200" b="0" i="0" u="none" strike="noStrike" cap="none">
+                <a:solidFill>
+                  <a:schemeClr val="dk2"/>
+                </a:solidFill>
+                <a:latin typeface="Lato"/>
+                <a:ea typeface="Lato"/>
+                <a:cs typeface="Lato"/>
+                <a:sym typeface="Lato"/>
+              </a:defRPr>
+            </a:lvl2pPr>
+            <a:lvl3pPr marL="1371600" marR="0" lvl="2" indent="-304800" algn="l" rtl="0" eaLnBrk="1" hangingPunct="1">
+              <a:lnSpc>
+                <a:spcPct val="115000"/>
+              </a:lnSpc>
+              <a:spcBef>
+                <a:spcPts val="1600"/>
+              </a:spcBef>
+              <a:spcAft>
+                <a:spcPts val="0"/>
+              </a:spcAft>
+              <a:buClr>
+                <a:schemeClr val="dk2"/>
+              </a:buClr>
+              <a:buSzPts val="1200"/>
+              <a:buFont typeface="Lato"/>
+              <a:buChar char="■"/>
+              <a:defRPr sz="1200" b="0" i="0" u="none" strike="noStrike" cap="none">
+                <a:solidFill>
+                  <a:schemeClr val="dk2"/>
+                </a:solidFill>
+                <a:latin typeface="Lato"/>
+                <a:ea typeface="Lato"/>
+                <a:cs typeface="Lato"/>
+                <a:sym typeface="Lato"/>
+              </a:defRPr>
+            </a:lvl3pPr>
+            <a:lvl4pPr marL="1828800" marR="0" lvl="3" indent="-304800" algn="l" rtl="0" eaLnBrk="1" hangingPunct="1">
+              <a:lnSpc>
+                <a:spcPct val="115000"/>
+              </a:lnSpc>
+              <a:spcBef>
+                <a:spcPts val="1600"/>
+              </a:spcBef>
+              <a:spcAft>
+                <a:spcPts val="0"/>
+              </a:spcAft>
+              <a:buClr>
+                <a:schemeClr val="dk2"/>
+              </a:buClr>
+              <a:buSzPts val="1200"/>
+              <a:buFont typeface="Lato"/>
+              <a:buChar char="●"/>
+              <a:defRPr sz="1200" b="0" i="0" u="none" strike="noStrike" cap="none">
+                <a:solidFill>
+                  <a:schemeClr val="dk2"/>
+                </a:solidFill>
+                <a:latin typeface="Lato"/>
+                <a:ea typeface="Lato"/>
+                <a:cs typeface="Lato"/>
+                <a:sym typeface="Lato"/>
+              </a:defRPr>
+            </a:lvl4pPr>
+            <a:lvl5pPr marL="2286000" marR="0" lvl="4" indent="-304800" algn="l" rtl="0" eaLnBrk="1" hangingPunct="1">
+              <a:lnSpc>
+                <a:spcPct val="115000"/>
+              </a:lnSpc>
+              <a:spcBef>
+                <a:spcPts val="1600"/>
+              </a:spcBef>
+              <a:spcAft>
+                <a:spcPts val="0"/>
+              </a:spcAft>
+              <a:buClr>
+                <a:schemeClr val="dk2"/>
+              </a:buClr>
+              <a:buSzPts val="1200"/>
+              <a:buFont typeface="Lato"/>
+              <a:buChar char="○"/>
+              <a:defRPr sz="1200" b="0" i="0" u="none" strike="noStrike" cap="none">
+                <a:solidFill>
+                  <a:schemeClr val="dk2"/>
+                </a:solidFill>
+                <a:latin typeface="Lato"/>
+                <a:ea typeface="Lato"/>
+                <a:cs typeface="Lato"/>
+                <a:sym typeface="Lato"/>
+              </a:defRPr>
+            </a:lvl5pPr>
+            <a:lvl6pPr marL="2743200" marR="0" lvl="5" indent="-304800" algn="l" rtl="0" eaLnBrk="1" hangingPunct="1">
+              <a:lnSpc>
+                <a:spcPct val="115000"/>
+              </a:lnSpc>
+              <a:spcBef>
+                <a:spcPts val="1600"/>
+              </a:spcBef>
+              <a:spcAft>
+                <a:spcPts val="0"/>
+              </a:spcAft>
+              <a:buClr>
+                <a:schemeClr val="dk2"/>
+              </a:buClr>
+              <a:buSzPts val="1200"/>
+              <a:buFont typeface="Lato"/>
+              <a:buChar char="■"/>
+              <a:defRPr sz="1200" b="0" i="0" u="none" strike="noStrike" cap="none">
+                <a:solidFill>
+                  <a:schemeClr val="dk2"/>
+                </a:solidFill>
+                <a:latin typeface="Lato"/>
+                <a:ea typeface="Lato"/>
+                <a:cs typeface="Lato"/>
+                <a:sym typeface="Lato"/>
+              </a:defRPr>
+            </a:lvl6pPr>
+            <a:lvl7pPr marL="3200400" marR="0" lvl="6" indent="-304800" algn="l" rtl="0" eaLnBrk="1" hangingPunct="1">
+              <a:lnSpc>
+                <a:spcPct val="115000"/>
+              </a:lnSpc>
+              <a:spcBef>
+                <a:spcPts val="1600"/>
+              </a:spcBef>
+              <a:spcAft>
+                <a:spcPts val="0"/>
+              </a:spcAft>
+              <a:buClr>
+                <a:schemeClr val="dk2"/>
+              </a:buClr>
+              <a:buSzPts val="1200"/>
+              <a:buFont typeface="Lato"/>
+              <a:buChar char="●"/>
+              <a:defRPr sz="1200" b="0" i="0" u="none" strike="noStrike" cap="none">
+                <a:solidFill>
+                  <a:schemeClr val="dk2"/>
+                </a:solidFill>
+                <a:latin typeface="Lato"/>
+                <a:ea typeface="Lato"/>
+                <a:cs typeface="Lato"/>
+                <a:sym typeface="Lato"/>
+              </a:defRPr>
+            </a:lvl7pPr>
+            <a:lvl8pPr marL="3657600" marR="0" lvl="7" indent="-304800" algn="l" rtl="0" eaLnBrk="1" hangingPunct="1">
+              <a:lnSpc>
+                <a:spcPct val="115000"/>
+              </a:lnSpc>
+              <a:spcBef>
+                <a:spcPts val="1600"/>
+              </a:spcBef>
+              <a:spcAft>
+                <a:spcPts val="0"/>
+              </a:spcAft>
+              <a:buClr>
+                <a:schemeClr val="dk2"/>
+              </a:buClr>
+              <a:buSzPts val="1200"/>
+              <a:buFont typeface="Lato"/>
+              <a:buChar char="○"/>
+              <a:defRPr sz="1200" b="0" i="0" u="none" strike="noStrike" cap="none">
+                <a:solidFill>
+                  <a:schemeClr val="dk2"/>
+                </a:solidFill>
+                <a:latin typeface="Lato"/>
+                <a:ea typeface="Lato"/>
+                <a:cs typeface="Lato"/>
+                <a:sym typeface="Lato"/>
+              </a:defRPr>
+            </a:lvl8pPr>
+            <a:lvl9pPr marL="4114800" marR="0" lvl="8" indent="-304800" algn="l" rtl="0" eaLnBrk="1" hangingPunct="1">
+              <a:lnSpc>
+                <a:spcPct val="115000"/>
+              </a:lnSpc>
+              <a:spcBef>
+                <a:spcPts val="1600"/>
+              </a:spcBef>
+              <a:spcAft>
+                <a:spcPts val="1600"/>
+              </a:spcAft>
+              <a:buClr>
+                <a:schemeClr val="dk2"/>
+              </a:buClr>
+              <a:buSzPts val="1200"/>
+              <a:buFont typeface="Lato"/>
+              <a:buChar char="■"/>
+              <a:defRPr sz="1200" b="0" i="0" u="none" strike="noStrike" cap="none">
+                <a:solidFill>
+                  <a:schemeClr val="dk2"/>
+                </a:solidFill>
+                <a:latin typeface="Lato"/>
+                <a:ea typeface="Lato"/>
+                <a:cs typeface="Lato"/>
+                <a:sym typeface="Lato"/>
+              </a:defRPr>
+            </a:lvl9pPr>
+          </a:lstStyle>
+          <a:p>
+            <a:pPr marL="139700" indent="0" algn="ctr">
+              <a:buFont typeface="Lato"/>
+              <a:buNone/>
+            </a:pPr>
+            <a:r>
+              <a:rPr lang="en-US" b="1" dirty="0"/>
+              <a:t>Physics</a:t>
+            </a:r>
+            <a:endParaRPr lang="en-US" dirty="0"/>
+          </a:p>
+          <a:p>
+            <a:pPr marL="139700" indent="0">
+              <a:buNone/>
+            </a:pPr>
+            <a:r>
+              <a:rPr lang="en-US" dirty="0"/>
+              <a:t>John Clarke, Michel H. </a:t>
+            </a:r>
+            <a:r>
+              <a:rPr lang="en-US" dirty="0" err="1"/>
+              <a:t>Devoret</a:t>
+            </a:r>
+            <a:r>
+              <a:rPr lang="en-US" dirty="0"/>
+              <a:t>, and John M. Martinis - “for the discovery of macroscopic quantum mechanical tunnelling and energy </a:t>
+            </a:r>
+            <a:r>
+              <a:rPr lang="en-US" dirty="0" err="1"/>
+              <a:t>quantisation</a:t>
+            </a:r>
+            <a:r>
+              <a:rPr lang="en-US" dirty="0"/>
+              <a:t> in an electric circuit.”</a:t>
+            </a:r>
+          </a:p>
+        </p:txBody>
+      </p:sp>
+      <p:pic>
+        <p:nvPicPr>
+          <p:cNvPr id="4" name="Picture 2" descr="Nobel Prize in Physics 2025">
+            <a:extLst>
+              <a:ext uri="{FF2B5EF4-FFF2-40B4-BE49-F238E27FC236}">
+                <a16:creationId xmlns:a16="http://schemas.microsoft.com/office/drawing/2014/main" id="{7F8138DA-4704-FF38-5CA0-9D705B12C4C0}"/>
+              </a:ext>
+            </a:extLst>
+          </p:cNvPr>
+          <p:cNvPicPr>
+            <a:picLocks noChangeAspect="1" noChangeArrowheads="1"/>
+          </p:cNvPicPr>
+          <p:nvPr/>
+        </p:nvPicPr>
+        <p:blipFill>
+          <a:blip r:embed="rId2">
+            <a:extLst>
+              <a:ext uri="{28A0092B-C50C-407E-A947-70E740481C1C}">
+                <a14:useLocalDpi xmlns:a14="http://schemas.microsoft.com/office/drawing/2010/main" val="0"/>
+              </a:ext>
+            </a:extLst>
+          </a:blip>
+          <a:srcRect/>
+          <a:stretch>
+            <a:fillRect/>
+          </a:stretch>
+        </p:blipFill>
+        <p:spPr bwMode="auto">
+          <a:xfrm>
+            <a:off x="4719638" y="2719388"/>
+            <a:ext cx="9525" cy="9525"/>
+          </a:xfrm>
+          <a:prstGeom prst="rect">
+            <a:avLst/>
+          </a:prstGeom>
+          <a:noFill/>
+          <a:extLst>
+            <a:ext uri="{909E8E84-426E-40DD-AFC4-6F175D3DCCD1}">
+              <a14:hiddenFill xmlns:a14="http://schemas.microsoft.com/office/drawing/2010/main">
+                <a:solidFill>
+                  <a:srgbClr val="FFFFFF"/>
+                </a:solidFill>
+              </a14:hiddenFill>
+            </a:ext>
+          </a:extLst>
+        </p:spPr>
+      </p:pic>
+      <p:pic>
+        <p:nvPicPr>
+          <p:cNvPr id="1028" name="Picture 4">
+            <a:extLst>
+              <a:ext uri="{FF2B5EF4-FFF2-40B4-BE49-F238E27FC236}">
+                <a16:creationId xmlns:a16="http://schemas.microsoft.com/office/drawing/2014/main" id="{C55D10E0-F30D-D2AA-FDDC-110BA4C51537}"/>
+              </a:ext>
+            </a:extLst>
+          </p:cNvPr>
+          <p:cNvPicPr>
+            <a:picLocks noChangeAspect="1" noChangeArrowheads="1"/>
+          </p:cNvPicPr>
+          <p:nvPr/>
+        </p:nvPicPr>
+        <p:blipFill>
+          <a:blip r:embed="rId3">
+            <a:extLst>
+              <a:ext uri="{28A0092B-C50C-407E-A947-70E740481C1C}">
+                <a14:useLocalDpi xmlns:a14="http://schemas.microsoft.com/office/drawing/2010/main" val="0"/>
+              </a:ext>
+            </a:extLst>
+          </a:blip>
+          <a:srcRect/>
+          <a:stretch>
+            <a:fillRect/>
+          </a:stretch>
+        </p:blipFill>
+        <p:spPr bwMode="auto">
+          <a:xfrm>
+            <a:off x="6086970" y="3154323"/>
+            <a:ext cx="2743200" cy="1829176"/>
+          </a:xfrm>
+          <a:prstGeom prst="rect">
+            <a:avLst/>
+          </a:prstGeom>
+          <a:noFill/>
+          <a:extLst>
+            <a:ext uri="{909E8E84-426E-40DD-AFC4-6F175D3DCCD1}">
+              <a14:hiddenFill xmlns:a14="http://schemas.microsoft.com/office/drawing/2010/main">
+                <a:solidFill>
+                  <a:srgbClr val="FFFFFF"/>
+                </a:solidFill>
+              </a14:hiddenFill>
+            </a:ext>
+          </a:extLst>
+        </p:spPr>
+      </p:pic>
+      <p:pic>
+        <p:nvPicPr>
+          <p:cNvPr id="7" name="Picture 6">
+            <a:extLst>
+              <a:ext uri="{FF2B5EF4-FFF2-40B4-BE49-F238E27FC236}">
+                <a16:creationId xmlns:a16="http://schemas.microsoft.com/office/drawing/2014/main" id="{65D92D2E-FBA2-6695-17B1-CB9160C18D6B}"/>
+              </a:ext>
+            </a:extLst>
+          </p:cNvPr>
+          <p:cNvPicPr>
+            <a:picLocks noChangeAspect="1" noChangeArrowheads="1"/>
+          </p:cNvPicPr>
+          <p:nvPr/>
+        </p:nvPicPr>
+        <p:blipFill>
+          <a:blip r:embed="rId4">
+            <a:extLst>
+              <a:ext uri="{28A0092B-C50C-407E-A947-70E740481C1C}">
+                <a14:useLocalDpi xmlns:a14="http://schemas.microsoft.com/office/drawing/2010/main" val="0"/>
+              </a:ext>
+            </a:extLst>
+          </a:blip>
+          <a:srcRect/>
+          <a:stretch>
+            <a:fillRect/>
+          </a:stretch>
+        </p:blipFill>
+        <p:spPr bwMode="auto">
+          <a:xfrm>
+            <a:off x="3188437" y="3150634"/>
+            <a:ext cx="2743200" cy="1829176"/>
+          </a:xfrm>
+          <a:prstGeom prst="rect">
+            <a:avLst/>
+          </a:prstGeom>
+          <a:noFill/>
+          <a:extLst>
+            <a:ext uri="{909E8E84-426E-40DD-AFC4-6F175D3DCCD1}">
+              <a14:hiddenFill xmlns:a14="http://schemas.microsoft.com/office/drawing/2010/main">
+                <a:solidFill>
+                  <a:srgbClr val="FFFFFF"/>
+                </a:solidFill>
+              </a14:hiddenFill>
+            </a:ext>
+          </a:extLst>
+        </p:spPr>
+      </p:pic>
+    </p:spTree>
+    <p:extLst>
+      <p:ext uri="{BB962C8B-B14F-4D97-AF65-F5344CB8AC3E}">
+        <p14:creationId xmlns:p14="http://schemas.microsoft.com/office/powerpoint/2010/main" val="289401426"/>
+      </p:ext>
+    </p:extLst>
+  </p:cSld>
+  <p:clrMapOvr>
+    <a:masterClrMapping/>
+  </p:clrMapOvr>
+</p:sld>
+</file>
+
+<file path=ppt/slides/slide2.xml><?xml version="1.0" encoding="utf-8"?>
+<p:sld xmlns:a="http://schemas.openxmlformats.org/drawingml/2006/main" xmlns:r="http://schemas.openxmlformats.org/officeDocument/2006/relationships" xmlns:p="http://schemas.openxmlformats.org/presentationml/2006/main">
+  <p:cSld>
+    <p:spTree>
+      <p:nvGrpSpPr>
+        <p:cNvPr id="1" name=""/>
+        <p:cNvGrpSpPr/>
+        <p:nvPr/>
+      </p:nvGrpSpPr>
+      <p:grpSpPr>
+        <a:xfrm>
+          <a:off x="0" y="0"/>
+          <a:ext cx="0" cy="0"/>
+          <a:chOff x="0" y="0"/>
+          <a:chExt cx="0" cy="0"/>
+        </a:xfrm>
+      </p:grpSpPr>
+      <p:sp>
+        <p:nvSpPr>
+          <p:cNvPr id="2" name="Title 1">
+            <a:extLst>
+              <a:ext uri="{FF2B5EF4-FFF2-40B4-BE49-F238E27FC236}">
+                <a16:creationId xmlns:a16="http://schemas.microsoft.com/office/drawing/2014/main" id="{C3E4BE4C-44B3-CC6E-6EA1-71E143A4E039}"/>
+              </a:ext>
+            </a:extLst>
+          </p:cNvPr>
+          <p:cNvSpPr>
+            <a:spLocks noGrp="1"/>
+          </p:cNvSpPr>
+          <p:nvPr>
+            <p:ph type="title"/>
+          </p:nvPr>
+        </p:nvSpPr>
+        <p:spPr/>
+        <p:txBody>
+          <a:bodyPr/>
+          <a:lstStyle/>
+          <a:p>
+            <a:endParaRPr lang="en-US"/>
+          </a:p>
+        </p:txBody>
+      </p:sp>
+      <p:sp>
+        <p:nvSpPr>
+          <p:cNvPr id="3" name="Text Placeholder 2">
+            <a:extLst>
+              <a:ext uri="{FF2B5EF4-FFF2-40B4-BE49-F238E27FC236}">
+                <a16:creationId xmlns:a16="http://schemas.microsoft.com/office/drawing/2014/main" id="{4C7CF292-A46B-CB4B-5354-DD739C8AAD63}"/>
+              </a:ext>
+            </a:extLst>
+          </p:cNvPr>
+          <p:cNvSpPr>
+            <a:spLocks noGrp="1"/>
+          </p:cNvSpPr>
+          <p:nvPr>
+            <p:ph type="body" idx="1"/>
+          </p:nvPr>
+        </p:nvSpPr>
+        <p:spPr/>
+        <p:txBody>
+          <a:bodyPr/>
+          <a:lstStyle/>
+          <a:p>
+            <a:endParaRPr lang="en-US"/>
+          </a:p>
+        </p:txBody>
+      </p:sp>
+    </p:spTree>
+    <p:extLst>
+      <p:ext uri="{BB962C8B-B14F-4D97-AF65-F5344CB8AC3E}">
+        <p14:creationId xmlns:p14="http://schemas.microsoft.com/office/powerpoint/2010/main" val="1661899308"/>
+      </p:ext>
+    </p:extLst>
+  </p:cSld>
+  <p:clrMapOvr>
+    <a:masterClrMapping/>
+  </p:clrMapOvr>
+</p:sld>
+</file>
+
+<file path=ppt/slides/slide3.xml><?xml version="1.0" encoding="utf-8"?>
+<p:sld xmlns:a="http://schemas.openxmlformats.org/drawingml/2006/main" xmlns:r="http://schemas.openxmlformats.org/officeDocument/2006/relationships" xmlns:p="http://schemas.openxmlformats.org/presentationml/2006/main">
+  <p:cSld>
+    <p:spTree>
+      <p:nvGrpSpPr>
+        <p:cNvPr id="1" name=""/>
+        <p:cNvGrpSpPr/>
+        <p:nvPr/>
+      </p:nvGrpSpPr>
+      <p:grpSpPr>
+        <a:xfrm>
+          <a:off x="0" y="0"/>
+          <a:ext cx="0" cy="0"/>
+          <a:chOff x="0" y="0"/>
+          <a:chExt cx="0" cy="0"/>
+        </a:xfrm>
+      </p:grpSpPr>
+      <p:pic>
+        <p:nvPicPr>
+          <p:cNvPr id="2050" name="Picture 2">
+            <a:extLst>
+              <a:ext uri="{FF2B5EF4-FFF2-40B4-BE49-F238E27FC236}">
+                <a16:creationId xmlns:a16="http://schemas.microsoft.com/office/drawing/2014/main" id="{41A78AF5-2F98-C3CB-450B-F6A94AFE8E4C}"/>
+              </a:ext>
+            </a:extLst>
+          </p:cNvPr>
+          <p:cNvPicPr>
+            <a:picLocks noChangeAspect="1" noChangeArrowheads="1"/>
+          </p:cNvPicPr>
+          <p:nvPr/>
+        </p:nvPicPr>
+        <p:blipFill>
+          <a:blip r:embed="rId2">
+            <a:extLst>
+              <a:ext uri="{28A0092B-C50C-407E-A947-70E740481C1C}">
+                <a14:useLocalDpi xmlns:a14="http://schemas.microsoft.com/office/drawing/2010/main" val="0"/>
+              </a:ext>
+            </a:extLst>
+          </a:blip>
+          <a:srcRect/>
+          <a:stretch>
+            <a:fillRect/>
+          </a:stretch>
+        </p:blipFill>
+        <p:spPr bwMode="auto">
+          <a:xfrm>
+            <a:off x="4242593" y="131500"/>
+            <a:ext cx="4572000" cy="2544762"/>
+          </a:xfrm>
+          <a:prstGeom prst="rect">
+            <a:avLst/>
+          </a:prstGeom>
+          <a:noFill/>
+          <a:extLst>
+            <a:ext uri="{909E8E84-426E-40DD-AFC4-6F175D3DCCD1}">
+              <a14:hiddenFill xmlns:a14="http://schemas.microsoft.com/office/drawing/2010/main">
+                <a:solidFill>
+                  <a:srgbClr val="FFFFFF"/>
+                </a:solidFill>
+              </a14:hiddenFill>
+            </a:ext>
+          </a:extLst>
+        </p:spPr>
+      </p:pic>
+      <p:sp>
+        <p:nvSpPr>
+          <p:cNvPr id="2" name="Title 1">
+            <a:extLst>
+              <a:ext uri="{FF2B5EF4-FFF2-40B4-BE49-F238E27FC236}">
+                <a16:creationId xmlns:a16="http://schemas.microsoft.com/office/drawing/2014/main" id="{EFF670C0-D742-3856-529F-19E7C49DE6F3}"/>
+              </a:ext>
+            </a:extLst>
+          </p:cNvPr>
+          <p:cNvSpPr>
+            <a:spLocks noGrp="1"/>
+          </p:cNvSpPr>
+          <p:nvPr>
+            <p:ph type="title"/>
+          </p:nvPr>
+        </p:nvSpPr>
+        <p:spPr>
+          <a:xfrm>
+            <a:off x="319500" y="198871"/>
+            <a:ext cx="3537838" cy="755700"/>
+          </a:xfrm>
+        </p:spPr>
+        <p:txBody>
+          <a:bodyPr/>
+          <a:lstStyle/>
+          <a:p>
+            <a:r>
+              <a:rPr lang="en-US" dirty="0"/>
+              <a:t>Regulatory T cells</a:t>
+            </a:r>
+          </a:p>
+        </p:txBody>
+      </p:sp>
+      <p:sp>
+        <p:nvSpPr>
+          <p:cNvPr id="3" name="Text Placeholder 2">
+            <a:extLst>
+              <a:ext uri="{FF2B5EF4-FFF2-40B4-BE49-F238E27FC236}">
+                <a16:creationId xmlns:a16="http://schemas.microsoft.com/office/drawing/2014/main" id="{0560CCD0-38EE-5065-B26A-1C62FE225F08}"/>
+              </a:ext>
+            </a:extLst>
+          </p:cNvPr>
+          <p:cNvSpPr>
+            <a:spLocks noGrp="1"/>
+          </p:cNvSpPr>
+          <p:nvPr>
+            <p:ph type="body" idx="1"/>
+          </p:nvPr>
+        </p:nvSpPr>
+        <p:spPr>
+          <a:xfrm>
+            <a:off x="134310" y="954571"/>
+            <a:ext cx="3987452" cy="3698433"/>
+          </a:xfrm>
+        </p:spPr>
+        <p:txBody>
+          <a:bodyPr/>
+          <a:lstStyle/>
+          <a:p>
+            <a:pPr>
+              <a:lnSpc>
+                <a:spcPct val="100000"/>
+              </a:lnSpc>
+              <a:spcAft>
+                <a:spcPts val="600"/>
+              </a:spcAft>
+            </a:pPr>
+            <a:r>
+              <a:rPr lang="en-US" dirty="0"/>
+              <a:t>Helper T cells: Patrol the body and alert other immune cells if there is an invader. [CD4+]</a:t>
+            </a:r>
+          </a:p>
+          <a:p>
+            <a:pPr>
+              <a:lnSpc>
+                <a:spcPct val="100000"/>
+              </a:lnSpc>
+              <a:spcAft>
+                <a:spcPts val="600"/>
+              </a:spcAft>
+            </a:pPr>
+            <a:r>
+              <a:rPr lang="en-US" dirty="0"/>
+              <a:t>Killer T cells: Kill cell that have been infected. [CD8+]</a:t>
+            </a:r>
+          </a:p>
+          <a:p>
+            <a:pPr>
+              <a:lnSpc>
+                <a:spcPct val="100000"/>
+              </a:lnSpc>
+              <a:spcAft>
+                <a:spcPts val="600"/>
+              </a:spcAft>
+            </a:pPr>
+            <a:r>
+              <a:rPr lang="en-US" dirty="0"/>
+              <a:t>Regulatory T cells: Calm the immune system by releasing cytokines. [CD25+ and CD4+]</a:t>
+            </a:r>
+          </a:p>
+          <a:p>
+            <a:pPr>
+              <a:lnSpc>
+                <a:spcPct val="100000"/>
+              </a:lnSpc>
+              <a:spcAft>
+                <a:spcPts val="600"/>
+              </a:spcAft>
+            </a:pPr>
+            <a:endParaRPr lang="en-US" dirty="0"/>
+          </a:p>
+          <a:p>
+            <a:pPr>
+              <a:lnSpc>
+                <a:spcPct val="100000"/>
+              </a:lnSpc>
+              <a:spcAft>
+                <a:spcPts val="600"/>
+              </a:spcAft>
+            </a:pPr>
+            <a:r>
+              <a:rPr lang="en-US" dirty="0"/>
+              <a:t>“</a:t>
+            </a:r>
+            <a:r>
+              <a:rPr lang="en-US" dirty="0" err="1"/>
+              <a:t>Forkhead</a:t>
+            </a:r>
+            <a:r>
+              <a:rPr lang="en-US" dirty="0"/>
+              <a:t> box P3”, FOXP3: A gene that controls the development of Tregs (as a transcription factor).</a:t>
+            </a:r>
+          </a:p>
+          <a:p>
+            <a:pPr lvl="1">
+              <a:lnSpc>
+                <a:spcPct val="100000"/>
+              </a:lnSpc>
+              <a:spcBef>
+                <a:spcPts val="0"/>
+              </a:spcBef>
+              <a:spcAft>
+                <a:spcPts val="600"/>
+              </a:spcAft>
+            </a:pPr>
+            <a:r>
+              <a:rPr lang="en-US" dirty="0"/>
+              <a:t>Mutations in this gene cause a severe autoimmune diseases.</a:t>
+            </a:r>
+          </a:p>
+          <a:p>
+            <a:pPr>
+              <a:lnSpc>
+                <a:spcPct val="100000"/>
+              </a:lnSpc>
+              <a:spcAft>
+                <a:spcPts val="600"/>
+              </a:spcAft>
+            </a:pPr>
+            <a:r>
+              <a:rPr lang="en-US" dirty="0"/>
+              <a:t>Now there are several clinical trials to control, engineer, and use Tregs:</a:t>
+            </a:r>
+          </a:p>
+          <a:p>
+            <a:pPr lvl="1">
+              <a:lnSpc>
+                <a:spcPct val="100000"/>
+              </a:lnSpc>
+              <a:spcBef>
+                <a:spcPts val="0"/>
+              </a:spcBef>
+              <a:spcAft>
+                <a:spcPts val="600"/>
+              </a:spcAft>
+            </a:pPr>
+            <a:r>
+              <a:rPr lang="en-US" dirty="0"/>
+              <a:t>⬆ with IL-2 for atopic dermatitis, suppressing inflammation, celiac disease, transplants.</a:t>
+            </a:r>
+          </a:p>
+          <a:p>
+            <a:pPr lvl="1">
+              <a:lnSpc>
+                <a:spcPct val="100000"/>
+              </a:lnSpc>
+              <a:spcBef>
+                <a:spcPts val="0"/>
+              </a:spcBef>
+              <a:spcAft>
+                <a:spcPts val="600"/>
+              </a:spcAft>
+            </a:pPr>
+            <a:r>
+              <a:rPr lang="en-US" dirty="0"/>
+              <a:t>⬇ in </a:t>
+            </a:r>
+            <a:r>
+              <a:rPr lang="en-US" dirty="0" err="1"/>
+              <a:t>mAbs</a:t>
+            </a:r>
+            <a:r>
+              <a:rPr lang="en-US" dirty="0"/>
+              <a:t>/CCR8 for cancer</a:t>
+            </a:r>
+          </a:p>
+        </p:txBody>
+      </p:sp>
+      <p:pic>
+        <p:nvPicPr>
+          <p:cNvPr id="2052" name="Picture 4" descr="Illustration: How regulatory T cells protect us">
+            <a:extLst>
+              <a:ext uri="{FF2B5EF4-FFF2-40B4-BE49-F238E27FC236}">
+                <a16:creationId xmlns:a16="http://schemas.microsoft.com/office/drawing/2014/main" id="{BDAF6F6D-0650-2EB4-A034-D7AC1596BB84}"/>
+              </a:ext>
+            </a:extLst>
+          </p:cNvPr>
+          <p:cNvPicPr>
+            <a:picLocks noChangeAspect="1" noChangeArrowheads="1"/>
+          </p:cNvPicPr>
+          <p:nvPr/>
+        </p:nvPicPr>
+        <p:blipFill>
+          <a:blip r:embed="rId3">
+            <a:extLst>
+              <a:ext uri="{28A0092B-C50C-407E-A947-70E740481C1C}">
+                <a14:useLocalDpi xmlns:a14="http://schemas.microsoft.com/office/drawing/2010/main" val="0"/>
+              </a:ext>
+            </a:extLst>
+          </a:blip>
+          <a:srcRect/>
+          <a:stretch>
+            <a:fillRect/>
+          </a:stretch>
+        </p:blipFill>
+        <p:spPr bwMode="auto">
+          <a:xfrm>
+            <a:off x="4242593" y="2803787"/>
+            <a:ext cx="4572000" cy="2208213"/>
+          </a:xfrm>
+          <a:prstGeom prst="rect">
+            <a:avLst/>
+          </a:prstGeom>
+          <a:noFill/>
+          <a:extLst>
+            <a:ext uri="{909E8E84-426E-40DD-AFC4-6F175D3DCCD1}">
+              <a14:hiddenFill xmlns:a14="http://schemas.microsoft.com/office/drawing/2010/main">
+                <a:solidFill>
+                  <a:srgbClr val="FFFFFF"/>
+                </a:solidFill>
+              </a14:hiddenFill>
+            </a:ext>
+          </a:extLst>
+        </p:spPr>
+      </p:pic>
+    </p:spTree>
+    <p:extLst>
+      <p:ext uri="{BB962C8B-B14F-4D97-AF65-F5344CB8AC3E}">
+        <p14:creationId xmlns:p14="http://schemas.microsoft.com/office/powerpoint/2010/main" val="3804750795"/>
+      </p:ext>
+    </p:extLst>
+  </p:cSld>
+  <p:clrMapOvr>
+    <a:masterClrMapping/>
+  </p:clrMapOvr>
+</p:sld>
+</file>
+
+<file path=ppt/slides/slide4.xml><?xml version="1.0" encoding="utf-8"?>
+<p:sld xmlns:a="http://schemas.openxmlformats.org/drawingml/2006/main" xmlns:r="http://schemas.openxmlformats.org/officeDocument/2006/relationships" xmlns:p="http://schemas.openxmlformats.org/presentationml/2006/main">
+  <p:cSld>
+    <p:spTree>
+      <p:nvGrpSpPr>
+        <p:cNvPr id="1" name=""/>
+        <p:cNvGrpSpPr/>
+        <p:nvPr/>
+      </p:nvGrpSpPr>
+      <p:grpSpPr>
+        <a:xfrm>
+          <a:off x="0" y="0"/>
+          <a:ext cx="0" cy="0"/>
+          <a:chOff x="0" y="0"/>
+          <a:chExt cx="0" cy="0"/>
+        </a:xfrm>
+      </p:grpSpPr>
+      <p:sp>
+        <p:nvSpPr>
+          <p:cNvPr id="2" name="Title 1">
+            <a:extLst>
+              <a:ext uri="{FF2B5EF4-FFF2-40B4-BE49-F238E27FC236}">
+                <a16:creationId xmlns:a16="http://schemas.microsoft.com/office/drawing/2014/main" id="{EBFE5926-E6DA-CCE9-9D33-0AD12F5FAD16}"/>
+              </a:ext>
+            </a:extLst>
+          </p:cNvPr>
+          <p:cNvSpPr>
+            <a:spLocks noGrp="1"/>
+          </p:cNvSpPr>
+          <p:nvPr>
+            <p:ph type="title"/>
+          </p:nvPr>
+        </p:nvSpPr>
+        <p:spPr>
+          <a:xfrm>
+            <a:off x="273084" y="214258"/>
+            <a:ext cx="5340268" cy="755700"/>
+          </a:xfrm>
+        </p:spPr>
+        <p:txBody>
+          <a:bodyPr/>
+          <a:lstStyle/>
+          <a:p>
+            <a:r>
+              <a:rPr lang="en-US" dirty="0"/>
+              <a:t>Macroscopic Quantum Tunneling</a:t>
+            </a:r>
+          </a:p>
+        </p:txBody>
+      </p:sp>
+      <p:sp>
+        <p:nvSpPr>
+          <p:cNvPr id="3" name="Text Placeholder 2">
+            <a:extLst>
+              <a:ext uri="{FF2B5EF4-FFF2-40B4-BE49-F238E27FC236}">
+                <a16:creationId xmlns:a16="http://schemas.microsoft.com/office/drawing/2014/main" id="{35BD3FAC-B50E-1CAB-E161-14361DA6C5C8}"/>
+              </a:ext>
+            </a:extLst>
+          </p:cNvPr>
+          <p:cNvSpPr>
+            <a:spLocks noGrp="1"/>
+          </p:cNvSpPr>
+          <p:nvPr>
+            <p:ph type="body" idx="1"/>
+          </p:nvPr>
+        </p:nvSpPr>
+        <p:spPr>
+          <a:xfrm>
+            <a:off x="319499" y="969958"/>
+            <a:ext cx="3542331" cy="3683046"/>
+          </a:xfrm>
+        </p:spPr>
+        <p:txBody>
+          <a:bodyPr/>
+          <a:lstStyle/>
+          <a:p>
+            <a:pPr>
+              <a:lnSpc>
+                <a:spcPct val="100000"/>
+              </a:lnSpc>
+              <a:spcBef>
+                <a:spcPts val="600"/>
+              </a:spcBef>
+            </a:pPr>
+            <a:r>
+              <a:rPr lang="en-US" b="1" dirty="0"/>
+              <a:t>Quantum Mechanics: </a:t>
+            </a:r>
+            <a:r>
+              <a:rPr lang="en-US" dirty="0"/>
+              <a:t>The science of tiny things like atoms, electrons, and photon</a:t>
+            </a:r>
+          </a:p>
+          <a:p>
+            <a:pPr>
+              <a:lnSpc>
+                <a:spcPct val="100000"/>
+              </a:lnSpc>
+              <a:spcBef>
+                <a:spcPts val="600"/>
+              </a:spcBef>
+            </a:pPr>
+            <a:r>
+              <a:rPr lang="en-US" b="1" dirty="0"/>
+              <a:t>Quantum Tunneling: </a:t>
+            </a:r>
+            <a:r>
+              <a:rPr lang="en-US" dirty="0"/>
+              <a:t>A particle passing through a medium. Usually only observable at microscopic scales.</a:t>
+            </a:r>
+          </a:p>
+          <a:p>
+            <a:pPr>
+              <a:lnSpc>
+                <a:spcPct val="100000"/>
+              </a:lnSpc>
+              <a:spcBef>
+                <a:spcPts val="600"/>
+              </a:spcBef>
+            </a:pPr>
+            <a:endParaRPr lang="en-US" dirty="0"/>
+          </a:p>
+          <a:p>
+            <a:pPr>
+              <a:lnSpc>
+                <a:spcPct val="100000"/>
+              </a:lnSpc>
+              <a:spcBef>
+                <a:spcPts val="600"/>
+              </a:spcBef>
+            </a:pPr>
+            <a:r>
+              <a:rPr lang="en-US" b="1" dirty="0"/>
+              <a:t>The experiment: </a:t>
+            </a:r>
+            <a:r>
+              <a:rPr lang="en-US" dirty="0"/>
+              <a:t>In an electric circuit between two superconductors, they placed a thin insulating barrier, forming a device known as a Josephson junction.</a:t>
+            </a:r>
+          </a:p>
+          <a:p>
+            <a:pPr lvl="1">
+              <a:lnSpc>
+                <a:spcPct val="100000"/>
+              </a:lnSpc>
+              <a:spcBef>
+                <a:spcPts val="600"/>
+              </a:spcBef>
+            </a:pPr>
+            <a:r>
+              <a:rPr lang="en-US" dirty="0"/>
+              <a:t>The current “tunneled” through it, but not as electrons…as a quantum state.</a:t>
+            </a:r>
+          </a:p>
+          <a:p>
+            <a:pPr lvl="1">
+              <a:lnSpc>
+                <a:spcPct val="100000"/>
+              </a:lnSpc>
+              <a:spcBef>
+                <a:spcPts val="600"/>
+              </a:spcBef>
+            </a:pPr>
+            <a:r>
+              <a:rPr lang="en-US" dirty="0"/>
+              <a:t>The electrons in the superconductors behave as one giant quantum particle.</a:t>
+            </a:r>
+          </a:p>
+          <a:p>
+            <a:pPr>
+              <a:lnSpc>
+                <a:spcPct val="100000"/>
+              </a:lnSpc>
+              <a:spcBef>
+                <a:spcPts val="600"/>
+              </a:spcBef>
+            </a:pPr>
+            <a:r>
+              <a:rPr lang="en-US" dirty="0"/>
+              <a:t>This is the foundation for the development of superconducting qubits for quantum computing.</a:t>
+            </a:r>
+          </a:p>
+        </p:txBody>
+      </p:sp>
+      <p:pic>
+        <p:nvPicPr>
+          <p:cNvPr id="3074" name="Picture 2" descr="Illustration">
+            <a:extLst>
+              <a:ext uri="{FF2B5EF4-FFF2-40B4-BE49-F238E27FC236}">
+                <a16:creationId xmlns:a16="http://schemas.microsoft.com/office/drawing/2014/main" id="{3860DF89-610B-53BD-DC4B-3746A504F37D}"/>
+              </a:ext>
+            </a:extLst>
+          </p:cNvPr>
+          <p:cNvPicPr>
+            <a:picLocks noChangeAspect="1" noChangeArrowheads="1"/>
+          </p:cNvPicPr>
+          <p:nvPr/>
+        </p:nvPicPr>
+        <p:blipFill rotWithShape="1">
+          <a:blip r:embed="rId2">
+            <a:extLst>
+              <a:ext uri="{28A0092B-C50C-407E-A947-70E740481C1C}">
+                <a14:useLocalDpi xmlns:a14="http://schemas.microsoft.com/office/drawing/2010/main" val="0"/>
+              </a:ext>
+            </a:extLst>
+          </a:blip>
+          <a:srcRect l="13975" r="17121"/>
+          <a:stretch>
+            <a:fillRect/>
+          </a:stretch>
+        </p:blipFill>
+        <p:spPr bwMode="auto">
+          <a:xfrm>
+            <a:off x="5783463" y="114041"/>
+            <a:ext cx="2864125" cy="1120705"/>
+          </a:xfrm>
+          <a:prstGeom prst="rect">
+            <a:avLst/>
+          </a:prstGeom>
+          <a:noFill/>
+          <a:extLst>
+            <a:ext uri="{909E8E84-426E-40DD-AFC4-6F175D3DCCD1}">
+              <a14:hiddenFill xmlns:a14="http://schemas.microsoft.com/office/drawing/2010/main">
+                <a:solidFill>
+                  <a:srgbClr val="FFFFFF"/>
+                </a:solidFill>
+              </a14:hiddenFill>
+            </a:ext>
+          </a:extLst>
+        </p:spPr>
+      </p:pic>
+      <p:pic>
+        <p:nvPicPr>
+          <p:cNvPr id="3076" name="Picture 4" descr="Illustration">
+            <a:extLst>
+              <a:ext uri="{FF2B5EF4-FFF2-40B4-BE49-F238E27FC236}">
+                <a16:creationId xmlns:a16="http://schemas.microsoft.com/office/drawing/2014/main" id="{F905A4BD-9073-6109-71E0-99D5EF107A9F}"/>
+              </a:ext>
+            </a:extLst>
+          </p:cNvPr>
+          <p:cNvPicPr>
+            <a:picLocks noChangeAspect="1" noChangeArrowheads="1"/>
+          </p:cNvPicPr>
+          <p:nvPr/>
+        </p:nvPicPr>
+        <p:blipFill>
+          <a:blip r:embed="rId3">
+            <a:extLst>
+              <a:ext uri="{28A0092B-C50C-407E-A947-70E740481C1C}">
+                <a14:useLocalDpi xmlns:a14="http://schemas.microsoft.com/office/drawing/2010/main" val="0"/>
+              </a:ext>
+            </a:extLst>
+          </a:blip>
+          <a:srcRect/>
+          <a:stretch>
+            <a:fillRect/>
+          </a:stretch>
+        </p:blipFill>
+        <p:spPr bwMode="auto">
+          <a:xfrm>
+            <a:off x="4007932" y="1394487"/>
+            <a:ext cx="5340268" cy="3634972"/>
+          </a:xfrm>
+          <a:prstGeom prst="rect">
+            <a:avLst/>
+          </a:prstGeom>
+          <a:noFill/>
+          <a:extLst>
+            <a:ext uri="{909E8E84-426E-40DD-AFC4-6F175D3DCCD1}">
+              <a14:hiddenFill xmlns:a14="http://schemas.microsoft.com/office/drawing/2010/main">
+                <a:solidFill>
+                  <a:srgbClr val="FFFFFF"/>
+                </a:solidFill>
+              </a14:hiddenFill>
+            </a:ext>
+          </a:extLst>
+        </p:spPr>
+      </p:pic>
+    </p:spTree>
+    <p:extLst>
+      <p:ext uri="{BB962C8B-B14F-4D97-AF65-F5344CB8AC3E}">
+        <p14:creationId xmlns:p14="http://schemas.microsoft.com/office/powerpoint/2010/main" val="937265082"/>
+      </p:ext>
+    </p:extLst>
+  </p:cSld>
+  <p:clrMapOvr>
+    <a:masterClrMapping/>
+  </p:clrMapOvr>
+</p:sld>
+</file>
+
+<file path=ppt/slides/slide5.xml><?xml version="1.0" encoding="utf-8"?>
+<p:sld xmlns:a="http://schemas.openxmlformats.org/drawingml/2006/main" xmlns:r="http://schemas.openxmlformats.org/officeDocument/2006/relationships" xmlns:p="http://schemas.openxmlformats.org/presentationml/2006/main" show="0">
+  <p:cSld>
+    <p:spTree>
+      <p:nvGrpSpPr>
         <p:cNvPr id="1" name=""/>
         <p:cNvGrpSpPr/>
         <p:nvPr/>
@@ -3174,12 +4797,8 @@
               <a:buNone/>
             </a:pPr>
             <a:r>
-              <a:rPr lang="en-US" dirty="0" err="1"/>
-              <a:t>Demis</a:t>
-            </a:r>
-            <a:r>
               <a:rPr lang="en-US" dirty="0"/>
-              <a:t> Hassabis and John M. Jumper - “for protein structure prediction”</a:t>
+              <a:t>Demis Hassabis and John M. Jumper - “for protein structure prediction”</a:t>
             </a:r>
           </a:p>
         </p:txBody>
@@ -3997,8 +5616,8 @@
 </p:sld>
 </file>
 
-<file path=ppt/slides/slide2.xml><?xml version="1.0" encoding="utf-8"?>
-<p:sld xmlns:a="http://schemas.openxmlformats.org/drawingml/2006/main" xmlns:r="http://schemas.openxmlformats.org/officeDocument/2006/relationships" xmlns:p="http://schemas.openxmlformats.org/presentationml/2006/main">
+<file path=ppt/slides/slide6.xml><?xml version="1.0" encoding="utf-8"?>
+<p:sld xmlns:a="http://schemas.openxmlformats.org/drawingml/2006/main" xmlns:r="http://schemas.openxmlformats.org/officeDocument/2006/relationships" xmlns:p="http://schemas.openxmlformats.org/presentationml/2006/main" show="0">
   <p:cSld>
     <p:spTree>
       <p:nvGrpSpPr>
@@ -4164,7 +5783,7 @@
 </p:sld>
 </file>
 
-<file path=ppt/slides/slide3.xml><?xml version="1.0" encoding="utf-8"?>
+<file path=ppt/slides/slide7.xml><?xml version="1.0" encoding="utf-8"?>
 <p:sld xmlns:a="http://schemas.openxmlformats.org/drawingml/2006/main" xmlns:r="http://schemas.openxmlformats.org/officeDocument/2006/relationships" xmlns:p="http://schemas.openxmlformats.org/presentationml/2006/main">
   <p:cSld>
     <p:spTree>
